--- a/vortrag.pptx
+++ b/vortrag.pptx
@@ -5,10 +5,10 @@
     <p:sldMasterId id="2147483648" r:id="rId1"/>
   </p:sldMasterIdLst>
   <p:notesMasterIdLst>
-    <p:notesMasterId r:id="rId13"/>
+    <p:notesMasterId r:id="rId14"/>
   </p:notesMasterIdLst>
   <p:handoutMasterIdLst>
-    <p:handoutMasterId r:id="rId14"/>
+    <p:handoutMasterId r:id="rId15"/>
   </p:handoutMasterIdLst>
   <p:sldIdLst>
     <p:sldId id="267" r:id="rId2"/>
@@ -17,11 +17,12 @@
     <p:sldId id="269" r:id="rId5"/>
     <p:sldId id="270" r:id="rId6"/>
     <p:sldId id="271" r:id="rId7"/>
-    <p:sldId id="272" r:id="rId8"/>
-    <p:sldId id="273" r:id="rId9"/>
-    <p:sldId id="274" r:id="rId10"/>
-    <p:sldId id="275" r:id="rId11"/>
-    <p:sldId id="276" r:id="rId12"/>
+    <p:sldId id="277" r:id="rId8"/>
+    <p:sldId id="278" r:id="rId9"/>
+    <p:sldId id="273" r:id="rId10"/>
+    <p:sldId id="274" r:id="rId11"/>
+    <p:sldId id="275" r:id="rId12"/>
+    <p:sldId id="276" r:id="rId13"/>
   </p:sldIdLst>
   <p:sldSz cx="9144000" cy="6858000" type="screen4x3"/>
   <p:notesSz cx="6858000" cy="9144000"/>
@@ -828,7 +829,7 @@
     </p:spTree>
     <p:extLst>
       <p:ext uri="{BB962C8B-B14F-4D97-AF65-F5344CB8AC3E}">
-        <p14:creationId xmlns:p14="http://schemas.microsoft.com/office/powerpoint/2010/main" val="1658853468"/>
+        <p14:creationId xmlns:p14="http://schemas.microsoft.com/office/powerpoint/2010/main" val="2047957474"/>
       </p:ext>
     </p:extLst>
   </p:cSld>
@@ -904,6 +905,90 @@
             <a:fld id="{8E635C57-9949-B745-9DF2-B77B8EBF7A20}" type="slidenum">
               <a:rPr lang="en-US" smtClean="0"/>
               <a:t>11</a:t>
+            </a:fld>
+            <a:endParaRPr lang="en-US"/>
+          </a:p>
+        </p:txBody>
+      </p:sp>
+    </p:spTree>
+    <p:extLst>
+      <p:ext uri="{BB962C8B-B14F-4D97-AF65-F5344CB8AC3E}">
+        <p14:creationId xmlns:p14="http://schemas.microsoft.com/office/powerpoint/2010/main" val="1658853468"/>
+      </p:ext>
+    </p:extLst>
+  </p:cSld>
+  <p:clrMapOvr>
+    <a:masterClrMapping/>
+  </p:clrMapOvr>
+</p:notes>
+</file>
+
+<file path=ppt/notesSlides/notesSlide12.xml><?xml version="1.0" encoding="utf-8"?>
+<p:notes xmlns:a="http://schemas.openxmlformats.org/drawingml/2006/main" xmlns:r="http://schemas.openxmlformats.org/officeDocument/2006/relationships" xmlns:p="http://schemas.openxmlformats.org/presentationml/2006/main">
+  <p:cSld>
+    <p:spTree>
+      <p:nvGrpSpPr>
+        <p:cNvPr id="1" name=""/>
+        <p:cNvGrpSpPr/>
+        <p:nvPr/>
+      </p:nvGrpSpPr>
+      <p:grpSpPr>
+        <a:xfrm>
+          <a:off x="0" y="0"/>
+          <a:ext cx="0" cy="0"/>
+          <a:chOff x="0" y="0"/>
+          <a:chExt cx="0" cy="0"/>
+        </a:xfrm>
+      </p:grpSpPr>
+      <p:sp>
+        <p:nvSpPr>
+          <p:cNvPr id="2" name="Slide Image Placeholder 1"/>
+          <p:cNvSpPr>
+            <a:spLocks noGrp="1" noRot="1" noChangeAspect="1"/>
+          </p:cNvSpPr>
+          <p:nvPr>
+            <p:ph type="sldImg"/>
+          </p:nvPr>
+        </p:nvSpPr>
+        <p:spPr/>
+      </p:sp>
+      <p:sp>
+        <p:nvSpPr>
+          <p:cNvPr id="3" name="Notes Placeholder 2"/>
+          <p:cNvSpPr>
+            <a:spLocks noGrp="1"/>
+          </p:cNvSpPr>
+          <p:nvPr>
+            <p:ph type="body" idx="1"/>
+          </p:nvPr>
+        </p:nvSpPr>
+        <p:spPr/>
+        <p:txBody>
+          <a:bodyPr/>
+          <a:lstStyle/>
+          <a:p>
+            <a:endParaRPr lang="en-US"/>
+          </a:p>
+        </p:txBody>
+      </p:sp>
+      <p:sp>
+        <p:nvSpPr>
+          <p:cNvPr id="4" name="Slide Number Placeholder 3"/>
+          <p:cNvSpPr>
+            <a:spLocks noGrp="1"/>
+          </p:cNvSpPr>
+          <p:nvPr>
+            <p:ph type="sldNum" sz="quarter" idx="10"/>
+          </p:nvPr>
+        </p:nvSpPr>
+        <p:spPr/>
+        <p:txBody>
+          <a:bodyPr/>
+          <a:lstStyle/>
+          <a:p>
+            <a:fld id="{8E635C57-9949-B745-9DF2-B77B8EBF7A20}" type="slidenum">
+              <a:rPr lang="en-US" smtClean="0"/>
+              <a:t>12</a:t>
             </a:fld>
             <a:endParaRPr lang="en-US"/>
           </a:p>
@@ -1416,7 +1501,7 @@
     </p:spTree>
     <p:extLst>
       <p:ext uri="{BB962C8B-B14F-4D97-AF65-F5344CB8AC3E}">
-        <p14:creationId xmlns:p14="http://schemas.microsoft.com/office/powerpoint/2010/main" val="2137351669"/>
+        <p14:creationId xmlns:p14="http://schemas.microsoft.com/office/powerpoint/2010/main" val="737556424"/>
       </p:ext>
     </p:extLst>
   </p:cSld>
@@ -1500,7 +1585,7 @@
     </p:spTree>
     <p:extLst>
       <p:ext uri="{BB962C8B-B14F-4D97-AF65-F5344CB8AC3E}">
-        <p14:creationId xmlns:p14="http://schemas.microsoft.com/office/powerpoint/2010/main" val="52322964"/>
+        <p14:creationId xmlns:p14="http://schemas.microsoft.com/office/powerpoint/2010/main" val="1452447601"/>
       </p:ext>
     </p:extLst>
   </p:cSld>
@@ -1584,7 +1669,7 @@
     </p:spTree>
     <p:extLst>
       <p:ext uri="{BB962C8B-B14F-4D97-AF65-F5344CB8AC3E}">
-        <p14:creationId xmlns:p14="http://schemas.microsoft.com/office/powerpoint/2010/main" val="2047957474"/>
+        <p14:creationId xmlns:p14="http://schemas.microsoft.com/office/powerpoint/2010/main" val="52322964"/>
       </p:ext>
     </p:extLst>
   </p:cSld>
@@ -3479,7 +3564,7 @@
           <p:nvPr userDrawn="1"/>
         </p:nvPicPr>
         <p:blipFill>
-          <a:blip r:embed="rId3" cstate="print">
+          <a:blip r:embed="rId2" cstate="print">
             <a:extLst>
               <a:ext uri="{28A0092B-C50C-407E-A947-70E740481C1C}">
                 <a14:useLocalDpi xmlns:a14="http://schemas.microsoft.com/office/drawing/2010/main" val="0"/>
@@ -4036,7 +4121,7 @@
       </p:sp>
       <p:pic>
         <p:nvPicPr>
-          <p:cNvPr id="11" name="Bild 6"/>
+          <p:cNvPr id="5" name="Bild 6"/>
           <p:cNvPicPr>
             <a:picLocks noChangeAspect="1"/>
           </p:cNvPicPr>
@@ -4050,7 +4135,7 @@
         </p:blipFill>
         <p:spPr>
           <a:xfrm>
-            <a:off x="21896" y="-569335"/>
+            <a:off x="-180528" y="-693455"/>
             <a:ext cx="2771800" cy="1962215"/>
           </a:xfrm>
           <a:prstGeom prst="rect">
@@ -4398,11 +4483,6 @@
               </a:rPr>
               <a:t>einer Wartungsaufgabe oder Fehlermeldung</a:t>
             </a:r>
-            <a:endParaRPr lang="de-DE" b="1" dirty="0">
-              <a:solidFill>
-                <a:schemeClr val="tx1"/>
-              </a:solidFill>
-            </a:endParaRPr>
           </a:p>
         </p:txBody>
       </p:sp>
@@ -4460,6 +4540,92 @@
           <a:p>
             <a:r>
               <a:rPr lang="de-DE" dirty="0" smtClean="0"/>
+              <a:t>Vergleich</a:t>
+            </a:r>
+            <a:endParaRPr lang="de-DE" dirty="0"/>
+          </a:p>
+        </p:txBody>
+      </p:sp>
+      <p:sp>
+        <p:nvSpPr>
+          <p:cNvPr id="3" name="Inhaltsplatzhalter 2"/>
+          <p:cNvSpPr>
+            <a:spLocks noGrp="1"/>
+          </p:cNvSpPr>
+          <p:nvPr>
+            <p:ph idx="1"/>
+          </p:nvPr>
+        </p:nvSpPr>
+        <p:spPr/>
+        <p:txBody>
+          <a:bodyPr/>
+          <a:lstStyle/>
+          <a:p>
+            <a:endParaRPr lang="de-DE" dirty="0">
+              <a:solidFill>
+                <a:schemeClr val="tx1">
+                  <a:lumMod val="75000"/>
+                  <a:lumOff val="25000"/>
+                </a:schemeClr>
+              </a:solidFill>
+            </a:endParaRPr>
+          </a:p>
+        </p:txBody>
+      </p:sp>
+    </p:spTree>
+    <p:extLst>
+      <p:ext uri="{BB962C8B-B14F-4D97-AF65-F5344CB8AC3E}">
+        <p14:creationId xmlns:p14="http://schemas.microsoft.com/office/powerpoint/2010/main" val="1071244325"/>
+      </p:ext>
+    </p:extLst>
+  </p:cSld>
+  <p:clrMapOvr>
+    <a:masterClrMapping/>
+  </p:clrMapOvr>
+  <p:timing>
+    <p:tnLst>
+      <p:par>
+        <p:cTn id="1" dur="indefinite" restart="never" nodeType="tmRoot"/>
+      </p:par>
+    </p:tnLst>
+  </p:timing>
+</p:sld>
+</file>
+
+<file path=ppt/slides/slide11.xml><?xml version="1.0" encoding="utf-8"?>
+<p:sld xmlns:a="http://schemas.openxmlformats.org/drawingml/2006/main" xmlns:r="http://schemas.openxmlformats.org/officeDocument/2006/relationships" xmlns:p="http://schemas.openxmlformats.org/presentationml/2006/main">
+  <p:cSld>
+    <p:spTree>
+      <p:nvGrpSpPr>
+        <p:cNvPr id="1" name=""/>
+        <p:cNvGrpSpPr/>
+        <p:nvPr/>
+      </p:nvGrpSpPr>
+      <p:grpSpPr>
+        <a:xfrm>
+          <a:off x="0" y="0"/>
+          <a:ext cx="0" cy="0"/>
+          <a:chOff x="0" y="0"/>
+          <a:chExt cx="0" cy="0"/>
+        </a:xfrm>
+      </p:grpSpPr>
+      <p:sp>
+        <p:nvSpPr>
+          <p:cNvPr id="2" name="Titel 1"/>
+          <p:cNvSpPr>
+            <a:spLocks noGrp="1"/>
+          </p:cNvSpPr>
+          <p:nvPr>
+            <p:ph type="title"/>
+          </p:nvPr>
+        </p:nvSpPr>
+        <p:spPr/>
+        <p:txBody>
+          <a:bodyPr/>
+          <a:lstStyle/>
+          <a:p>
+            <a:r>
+              <a:rPr lang="de-DE" dirty="0" smtClean="0"/>
               <a:t>Fazit</a:t>
             </a:r>
             <a:endParaRPr lang="de-DE" dirty="0"/>
@@ -4512,7 +4678,7 @@
 </p:sld>
 </file>
 
-<file path=ppt/slides/slide11.xml><?xml version="1.0" encoding="utf-8"?>
+<file path=ppt/slides/slide12.xml><?xml version="1.0" encoding="utf-8"?>
 <p:sld xmlns:a="http://schemas.openxmlformats.org/drawingml/2006/main" xmlns:r="http://schemas.openxmlformats.org/officeDocument/2006/relationships" xmlns:p="http://schemas.openxmlformats.org/presentationml/2006/main">
   <p:cSld>
     <p:spTree>
@@ -4727,6 +4893,11 @@
           <a:bodyPr/>
           <a:lstStyle/>
           <a:p>
+            <a:pPr>
+              <a:lnSpc>
+                <a:spcPct val="150000"/>
+              </a:lnSpc>
+            </a:pPr>
             <a:r>
               <a:rPr lang="de-DE" dirty="0" smtClean="0">
                 <a:solidFill>
@@ -4736,7 +4907,43 @@
                   </a:schemeClr>
                 </a:solidFill>
               </a:rPr>
-              <a:t>Warum ist das geil</a:t>
+              <a:t>Finden von Code Segmenten</a:t>
+            </a:r>
+          </a:p>
+          <a:p>
+            <a:pPr>
+              <a:lnSpc>
+                <a:spcPct val="150000"/>
+              </a:lnSpc>
+            </a:pPr>
+            <a:r>
+              <a:rPr lang="de-DE" dirty="0" smtClean="0">
+                <a:solidFill>
+                  <a:schemeClr val="tx1">
+                    <a:lumMod val="75000"/>
+                    <a:lumOff val="25000"/>
+                  </a:schemeClr>
+                </a:solidFill>
+              </a:rPr>
+              <a:t>Identifikation des Nutzen (Mapping)</a:t>
+            </a:r>
+          </a:p>
+          <a:p>
+            <a:pPr>
+              <a:lnSpc>
+                <a:spcPct val="150000"/>
+              </a:lnSpc>
+            </a:pPr>
+            <a:r>
+              <a:rPr lang="de-DE" dirty="0" smtClean="0">
+                <a:solidFill>
+                  <a:schemeClr val="tx1">
+                    <a:lumMod val="75000"/>
+                    <a:lumOff val="25000"/>
+                  </a:schemeClr>
+                </a:solidFill>
+              </a:rPr>
+              <a:t>Tool Unterstützung</a:t>
             </a:r>
             <a:endParaRPr lang="de-DE" dirty="0">
               <a:solidFill>
@@ -5071,6 +5278,93 @@
           <a:bodyPr/>
           <a:lstStyle/>
           <a:p>
+            <a:endParaRPr lang="de-DE" dirty="0" smtClean="0">
+              <a:solidFill>
+                <a:schemeClr val="tx1">
+                  <a:lumMod val="75000"/>
+                  <a:lumOff val="25000"/>
+                </a:schemeClr>
+              </a:solidFill>
+            </a:endParaRPr>
+          </a:p>
+          <a:p>
+            <a:r>
+              <a:rPr lang="de-DE" dirty="0" smtClean="0">
+                <a:solidFill>
+                  <a:schemeClr val="tx1">
+                    <a:lumMod val="75000"/>
+                    <a:lumOff val="25000"/>
+                  </a:schemeClr>
+                </a:solidFill>
+              </a:rPr>
+              <a:t>Feature</a:t>
+            </a:r>
+          </a:p>
+          <a:p>
+            <a:pPr lvl="1"/>
+            <a:r>
+              <a:rPr lang="de-DE" dirty="0" smtClean="0">
+                <a:solidFill>
+                  <a:schemeClr val="tx1">
+                    <a:lumMod val="75000"/>
+                    <a:lumOff val="25000"/>
+                  </a:schemeClr>
+                </a:solidFill>
+              </a:rPr>
+              <a:t>Software Artefakt, das eine spezifische Funktionalität implementiert</a:t>
+            </a:r>
+          </a:p>
+          <a:p>
+            <a:pPr lvl="1"/>
+            <a:endParaRPr lang="de-DE" dirty="0" smtClean="0">
+              <a:solidFill>
+                <a:schemeClr val="tx1">
+                  <a:lumMod val="75000"/>
+                  <a:lumOff val="25000"/>
+                </a:schemeClr>
+              </a:solidFill>
+            </a:endParaRPr>
+          </a:p>
+          <a:p>
+            <a:r>
+              <a:rPr lang="de-DE" dirty="0" smtClean="0">
+                <a:solidFill>
+                  <a:schemeClr val="tx1">
+                    <a:lumMod val="75000"/>
+                    <a:lumOff val="25000"/>
+                  </a:schemeClr>
+                </a:solidFill>
+              </a:rPr>
+              <a:t>Feature Location</a:t>
+            </a:r>
+          </a:p>
+          <a:p>
+            <a:pPr lvl="1"/>
+            <a:r>
+              <a:rPr lang="de-DE" dirty="0" smtClean="0">
+                <a:solidFill>
+                  <a:schemeClr val="tx1">
+                    <a:lumMod val="75000"/>
+                    <a:lumOff val="25000"/>
+                  </a:schemeClr>
+                </a:solidFill>
+              </a:rPr>
+              <a:t>Beziehung zwischen Feature und Implementierung</a:t>
+            </a:r>
+          </a:p>
+          <a:p>
+            <a:pPr lvl="1"/>
+            <a:r>
+              <a:rPr lang="de-DE" dirty="0" smtClean="0">
+                <a:solidFill>
+                  <a:schemeClr val="tx1">
+                    <a:lumMod val="75000"/>
+                    <a:lumOff val="25000"/>
+                  </a:schemeClr>
+                </a:solidFill>
+              </a:rPr>
+              <a:t>Natürliche Sprache -&gt; Code</a:t>
+            </a:r>
             <a:endParaRPr lang="de-DE" dirty="0">
               <a:solidFill>
                 <a:schemeClr val="tx1">
@@ -5157,6 +5451,253 @@
           <a:bodyPr/>
           <a:lstStyle/>
           <a:p>
+            <a:r>
+              <a:rPr lang="de-DE" dirty="0" err="1" smtClean="0">
+                <a:solidFill>
+                  <a:schemeClr val="tx1">
+                    <a:lumMod val="75000"/>
+                    <a:lumOff val="25000"/>
+                  </a:schemeClr>
+                </a:solidFill>
+              </a:rPr>
+              <a:t>Program</a:t>
+            </a:r>
+            <a:r>
+              <a:rPr lang="de-DE" dirty="0" smtClean="0">
+                <a:solidFill>
+                  <a:schemeClr val="tx1">
+                    <a:lumMod val="75000"/>
+                    <a:lumOff val="25000"/>
+                  </a:schemeClr>
+                </a:solidFill>
+              </a:rPr>
+              <a:t> </a:t>
+            </a:r>
+            <a:r>
+              <a:rPr lang="de-DE" dirty="0" err="1" smtClean="0">
+                <a:solidFill>
+                  <a:schemeClr val="tx1">
+                    <a:lumMod val="75000"/>
+                    <a:lumOff val="25000"/>
+                  </a:schemeClr>
+                </a:solidFill>
+              </a:rPr>
+              <a:t>Dependency</a:t>
+            </a:r>
+            <a:r>
+              <a:rPr lang="de-DE" dirty="0" smtClean="0">
+                <a:solidFill>
+                  <a:schemeClr val="tx1">
+                    <a:lumMod val="75000"/>
+                    <a:lumOff val="25000"/>
+                  </a:schemeClr>
+                </a:solidFill>
+              </a:rPr>
+              <a:t> Analysis (PDA)</a:t>
+            </a:r>
+          </a:p>
+          <a:p>
+            <a:pPr lvl="1"/>
+            <a:r>
+              <a:rPr lang="de-DE" dirty="0" smtClean="0">
+                <a:solidFill>
+                  <a:schemeClr val="tx1">
+                    <a:lumMod val="75000"/>
+                    <a:lumOff val="25000"/>
+                  </a:schemeClr>
+                </a:solidFill>
+              </a:rPr>
+              <a:t>Kontrollflussabhängigkeiten</a:t>
+            </a:r>
+          </a:p>
+          <a:p>
+            <a:pPr lvl="1"/>
+            <a:r>
+              <a:rPr lang="de-DE" dirty="0" smtClean="0">
+                <a:solidFill>
+                  <a:schemeClr val="tx1">
+                    <a:lumMod val="75000"/>
+                    <a:lumOff val="25000"/>
+                  </a:schemeClr>
+                </a:solidFill>
+              </a:rPr>
+              <a:t>Datenabhängigkeiten</a:t>
+            </a:r>
+          </a:p>
+          <a:p>
+            <a:pPr lvl="1"/>
+            <a:endParaRPr lang="de-DE" dirty="0" smtClean="0">
+              <a:solidFill>
+                <a:schemeClr val="tx1">
+                  <a:lumMod val="75000"/>
+                  <a:lumOff val="25000"/>
+                </a:schemeClr>
+              </a:solidFill>
+            </a:endParaRPr>
+          </a:p>
+          <a:p>
+            <a:r>
+              <a:rPr lang="de-DE" dirty="0" smtClean="0">
+                <a:solidFill>
+                  <a:schemeClr val="tx1">
+                    <a:lumMod val="75000"/>
+                    <a:lumOff val="25000"/>
+                  </a:schemeClr>
+                </a:solidFill>
+              </a:rPr>
+              <a:t>Trace Analysis</a:t>
+            </a:r>
+          </a:p>
+          <a:p>
+            <a:pPr lvl="1"/>
+            <a:r>
+              <a:rPr lang="de-DE" dirty="0" smtClean="0">
+                <a:solidFill>
+                  <a:schemeClr val="tx1">
+                    <a:lumMod val="75000"/>
+                    <a:lumOff val="25000"/>
+                  </a:schemeClr>
+                </a:solidFill>
+              </a:rPr>
+              <a:t>Spuren im Programm</a:t>
+            </a:r>
+          </a:p>
+          <a:p>
+            <a:pPr lvl="1"/>
+            <a:endParaRPr lang="de-DE" dirty="0" smtClean="0">
+              <a:solidFill>
+                <a:schemeClr val="tx1">
+                  <a:lumMod val="75000"/>
+                  <a:lumOff val="25000"/>
+                </a:schemeClr>
+              </a:solidFill>
+            </a:endParaRPr>
+          </a:p>
+          <a:p>
+            <a:r>
+              <a:rPr lang="de-DE" dirty="0" smtClean="0">
+                <a:solidFill>
+                  <a:schemeClr val="tx1">
+                    <a:lumMod val="75000"/>
+                    <a:lumOff val="25000"/>
+                  </a:schemeClr>
+                </a:solidFill>
+              </a:rPr>
+              <a:t>Latent </a:t>
+            </a:r>
+            <a:r>
+              <a:rPr lang="de-DE" dirty="0" err="1" smtClean="0">
+                <a:solidFill>
+                  <a:schemeClr val="tx1">
+                    <a:lumMod val="75000"/>
+                    <a:lumOff val="25000"/>
+                  </a:schemeClr>
+                </a:solidFill>
+              </a:rPr>
+              <a:t>Semantic</a:t>
+            </a:r>
+            <a:r>
+              <a:rPr lang="de-DE" dirty="0" smtClean="0">
+                <a:solidFill>
+                  <a:schemeClr val="tx1">
+                    <a:lumMod val="75000"/>
+                    <a:lumOff val="25000"/>
+                  </a:schemeClr>
+                </a:solidFill>
+              </a:rPr>
+              <a:t> </a:t>
+            </a:r>
+            <a:r>
+              <a:rPr lang="de-DE" dirty="0" err="1" smtClean="0">
+                <a:solidFill>
+                  <a:schemeClr val="tx1">
+                    <a:lumMod val="75000"/>
+                    <a:lumOff val="25000"/>
+                  </a:schemeClr>
+                </a:solidFill>
+              </a:rPr>
+              <a:t>Indexing</a:t>
+            </a:r>
+            <a:r>
+              <a:rPr lang="de-DE" dirty="0" smtClean="0">
+                <a:solidFill>
+                  <a:schemeClr val="tx1">
+                    <a:lumMod val="75000"/>
+                    <a:lumOff val="25000"/>
+                  </a:schemeClr>
+                </a:solidFill>
+              </a:rPr>
+              <a:t> (LSI)</a:t>
+            </a:r>
+            <a:endParaRPr lang="de-DE" dirty="0">
+              <a:solidFill>
+                <a:schemeClr val="tx1">
+                  <a:lumMod val="75000"/>
+                  <a:lumOff val="25000"/>
+                </a:schemeClr>
+              </a:solidFill>
+            </a:endParaRPr>
+          </a:p>
+          <a:p>
+            <a:pPr lvl="1"/>
+            <a:r>
+              <a:rPr lang="de-DE" dirty="0" smtClean="0">
+                <a:solidFill>
+                  <a:schemeClr val="tx1">
+                    <a:lumMod val="75000"/>
+                    <a:lumOff val="25000"/>
+                  </a:schemeClr>
+                </a:solidFill>
+              </a:rPr>
+              <a:t>Indexierung von Abschnitten und Mustern</a:t>
+            </a:r>
+          </a:p>
+          <a:p>
+            <a:pPr lvl="1"/>
+            <a:r>
+              <a:rPr lang="de-DE" dirty="0" err="1" smtClean="0">
+                <a:solidFill>
+                  <a:schemeClr val="tx1">
+                    <a:lumMod val="75000"/>
+                    <a:lumOff val="25000"/>
+                  </a:schemeClr>
+                </a:solidFill>
+              </a:rPr>
+              <a:t>Termfrequenz</a:t>
+            </a:r>
+            <a:r>
+              <a:rPr lang="de-DE" dirty="0" smtClean="0">
+                <a:solidFill>
+                  <a:schemeClr val="tx1">
+                    <a:lumMod val="75000"/>
+                    <a:lumOff val="25000"/>
+                  </a:schemeClr>
+                </a:solidFill>
+              </a:rPr>
+              <a:t>-Matrix eines Dokuments wird durch </a:t>
+            </a:r>
+            <a:r>
+              <a:rPr lang="de-DE" dirty="0" err="1" smtClean="0">
+                <a:solidFill>
+                  <a:schemeClr val="tx1">
+                    <a:lumMod val="75000"/>
+                    <a:lumOff val="25000"/>
+                  </a:schemeClr>
+                </a:solidFill>
+              </a:rPr>
+              <a:t>Singulärwertzerlegung</a:t>
+            </a:r>
+            <a:r>
+              <a:rPr lang="de-DE" dirty="0" smtClean="0">
+                <a:solidFill>
+                  <a:schemeClr val="tx1">
+                    <a:lumMod val="75000"/>
+                    <a:lumOff val="25000"/>
+                  </a:schemeClr>
+                </a:solidFill>
+              </a:rPr>
+              <a:t> approximiert</a:t>
+            </a:r>
             <a:endParaRPr lang="de-DE" dirty="0">
               <a:solidFill>
                 <a:schemeClr val="tx1">
@@ -5243,6 +5784,146 @@
           <a:bodyPr/>
           <a:lstStyle/>
           <a:p>
+            <a:pPr>
+              <a:lnSpc>
+                <a:spcPct val="150000"/>
+              </a:lnSpc>
+            </a:pPr>
+            <a:endParaRPr lang="de-DE" dirty="0" smtClean="0">
+              <a:solidFill>
+                <a:schemeClr val="tx1">
+                  <a:lumMod val="75000"/>
+                  <a:lumOff val="25000"/>
+                </a:schemeClr>
+              </a:solidFill>
+            </a:endParaRPr>
+          </a:p>
+          <a:p>
+            <a:pPr>
+              <a:lnSpc>
+                <a:spcPct val="150000"/>
+              </a:lnSpc>
+            </a:pPr>
+            <a:r>
+              <a:rPr lang="de-DE" dirty="0" smtClean="0">
+                <a:solidFill>
+                  <a:schemeClr val="tx1">
+                    <a:lumMod val="75000"/>
+                    <a:lumOff val="25000"/>
+                  </a:schemeClr>
+                </a:solidFill>
+              </a:rPr>
+              <a:t>Programm kompiliert, aber noch nicht ausgeführt</a:t>
+            </a:r>
+          </a:p>
+          <a:p>
+            <a:pPr>
+              <a:lnSpc>
+                <a:spcPct val="150000"/>
+              </a:lnSpc>
+            </a:pPr>
+            <a:r>
+              <a:rPr lang="de-DE" dirty="0" smtClean="0">
+                <a:solidFill>
+                  <a:schemeClr val="tx1">
+                    <a:lumMod val="75000"/>
+                    <a:lumOff val="25000"/>
+                  </a:schemeClr>
+                </a:solidFill>
+              </a:rPr>
+              <a:t>Abhängigkeiten von Daten / Kontrollfluss</a:t>
+            </a:r>
+          </a:p>
+          <a:p>
+            <a:pPr>
+              <a:lnSpc>
+                <a:spcPct val="150000"/>
+              </a:lnSpc>
+            </a:pPr>
+            <a:r>
+              <a:rPr lang="de-DE" dirty="0" err="1" smtClean="0">
+                <a:solidFill>
+                  <a:schemeClr val="tx1">
+                    <a:lumMod val="75000"/>
+                    <a:lumOff val="25000"/>
+                  </a:schemeClr>
+                </a:solidFill>
+              </a:rPr>
+              <a:t>Race</a:t>
+            </a:r>
+            <a:r>
+              <a:rPr lang="de-DE" dirty="0" smtClean="0">
+                <a:solidFill>
+                  <a:schemeClr val="tx1">
+                    <a:lumMod val="75000"/>
+                    <a:lumOff val="25000"/>
+                  </a:schemeClr>
+                </a:solidFill>
+              </a:rPr>
+              <a:t> </a:t>
+            </a:r>
+            <a:r>
+              <a:rPr lang="de-DE" dirty="0" err="1" smtClean="0">
+                <a:solidFill>
+                  <a:schemeClr val="tx1">
+                    <a:lumMod val="75000"/>
+                    <a:lumOff val="25000"/>
+                  </a:schemeClr>
+                </a:solidFill>
+              </a:rPr>
+              <a:t>Conditions</a:t>
+            </a:r>
+            <a:r>
+              <a:rPr lang="de-DE" dirty="0" smtClean="0">
+                <a:solidFill>
+                  <a:schemeClr val="tx1">
+                    <a:lumMod val="75000"/>
+                    <a:lumOff val="25000"/>
+                  </a:schemeClr>
+                </a:solidFill>
+              </a:rPr>
+              <a:t>, </a:t>
+            </a:r>
+            <a:r>
+              <a:rPr lang="de-DE" dirty="0" err="1" smtClean="0">
+                <a:solidFill>
+                  <a:schemeClr val="tx1">
+                    <a:lumMod val="75000"/>
+                    <a:lumOff val="25000"/>
+                  </a:schemeClr>
+                </a:solidFill>
+              </a:rPr>
+              <a:t>Buffer</a:t>
+            </a:r>
+            <a:r>
+              <a:rPr lang="de-DE" dirty="0" smtClean="0">
+                <a:solidFill>
+                  <a:schemeClr val="tx1">
+                    <a:lumMod val="75000"/>
+                    <a:lumOff val="25000"/>
+                  </a:schemeClr>
+                </a:solidFill>
+              </a:rPr>
+              <a:t> Overflows</a:t>
+            </a:r>
+          </a:p>
+          <a:p>
+            <a:pPr>
+              <a:lnSpc>
+                <a:spcPct val="150000"/>
+              </a:lnSpc>
+            </a:pPr>
+            <a:r>
+              <a:rPr lang="de-DE" dirty="0" smtClean="0">
+                <a:solidFill>
+                  <a:schemeClr val="tx1">
+                    <a:lumMod val="75000"/>
+                    <a:lumOff val="25000"/>
+                  </a:schemeClr>
+                </a:solidFill>
+              </a:rPr>
+              <a:t>Automatisierte Tools</a:t>
+            </a:r>
             <a:endParaRPr lang="de-DE" dirty="0">
               <a:solidFill>
                 <a:schemeClr val="tx1">
@@ -5308,7 +5989,7 @@
           <a:p>
             <a:r>
               <a:rPr lang="de-DE" dirty="0" smtClean="0"/>
-              <a:t>Dynamische Analyse</a:t>
+              <a:t>Statische Analyse Beispiel</a:t>
             </a:r>
             <a:endParaRPr lang="de-DE" dirty="0"/>
           </a:p>
@@ -5329,6 +6010,37 @@
           <a:bodyPr/>
           <a:lstStyle/>
           <a:p>
+            <a:pPr>
+              <a:lnSpc>
+                <a:spcPct val="150000"/>
+              </a:lnSpc>
+            </a:pPr>
+            <a:endParaRPr lang="de-DE" dirty="0" smtClean="0">
+              <a:solidFill>
+                <a:schemeClr val="tx1">
+                  <a:lumMod val="75000"/>
+                  <a:lumOff val="25000"/>
+                </a:schemeClr>
+              </a:solidFill>
+            </a:endParaRPr>
+          </a:p>
+          <a:p>
+            <a:pPr>
+              <a:lnSpc>
+                <a:spcPct val="150000"/>
+              </a:lnSpc>
+            </a:pPr>
+            <a:r>
+              <a:rPr lang="de-DE" dirty="0" smtClean="0">
+                <a:solidFill>
+                  <a:schemeClr val="tx1">
+                    <a:lumMod val="75000"/>
+                    <a:lumOff val="25000"/>
+                  </a:schemeClr>
+                </a:solidFill>
+              </a:rPr>
+              <a:t>Beispiel</a:t>
+            </a:r>
             <a:endParaRPr lang="de-DE" dirty="0">
               <a:solidFill>
                 <a:schemeClr val="tx1">
@@ -5343,7 +6055,7 @@
     </p:spTree>
     <p:extLst>
       <p:ext uri="{BB962C8B-B14F-4D97-AF65-F5344CB8AC3E}">
-        <p14:creationId xmlns:p14="http://schemas.microsoft.com/office/powerpoint/2010/main" val="1048633793"/>
+        <p14:creationId xmlns:p14="http://schemas.microsoft.com/office/powerpoint/2010/main" val="1281353220"/>
       </p:ext>
     </p:extLst>
   </p:cSld>
@@ -5394,7 +6106,7 @@
           <a:p>
             <a:r>
               <a:rPr lang="de-DE" dirty="0" smtClean="0"/>
-              <a:t>Textuelle Suche</a:t>
+              <a:t>Dynamische Analyse</a:t>
             </a:r>
             <a:endParaRPr lang="de-DE" dirty="0"/>
           </a:p>
@@ -5415,6 +6127,80 @@
           <a:bodyPr/>
           <a:lstStyle/>
           <a:p>
+            <a:pPr>
+              <a:lnSpc>
+                <a:spcPct val="150000"/>
+              </a:lnSpc>
+            </a:pPr>
+            <a:endParaRPr lang="de-DE" dirty="0" smtClean="0">
+              <a:solidFill>
+                <a:schemeClr val="tx1">
+                  <a:lumMod val="75000"/>
+                  <a:lumOff val="25000"/>
+                </a:schemeClr>
+              </a:solidFill>
+            </a:endParaRPr>
+          </a:p>
+          <a:p>
+            <a:pPr>
+              <a:lnSpc>
+                <a:spcPct val="150000"/>
+              </a:lnSpc>
+            </a:pPr>
+            <a:r>
+              <a:rPr lang="de-DE" dirty="0" smtClean="0">
+                <a:solidFill>
+                  <a:schemeClr val="tx1">
+                    <a:lumMod val="75000"/>
+                    <a:lumOff val="25000"/>
+                  </a:schemeClr>
+                </a:solidFill>
+              </a:rPr>
+              <a:t>Ausführung während der Laufzeit</a:t>
+            </a:r>
+          </a:p>
+          <a:p>
+            <a:pPr>
+              <a:lnSpc>
+                <a:spcPct val="150000"/>
+              </a:lnSpc>
+            </a:pPr>
+            <a:r>
+              <a:rPr lang="de-DE" dirty="0" smtClean="0">
+                <a:solidFill>
+                  <a:schemeClr val="tx1">
+                    <a:lumMod val="75000"/>
+                    <a:lumOff val="25000"/>
+                  </a:schemeClr>
+                </a:solidFill>
+              </a:rPr>
+              <a:t>Informationen sammeln</a:t>
+            </a:r>
+          </a:p>
+          <a:p>
+            <a:pPr>
+              <a:lnSpc>
+                <a:spcPct val="150000"/>
+              </a:lnSpc>
+            </a:pPr>
+            <a:r>
+              <a:rPr lang="de-DE" dirty="0" smtClean="0">
+                <a:solidFill>
+                  <a:schemeClr val="tx1">
+                    <a:lumMod val="75000"/>
+                    <a:lumOff val="25000"/>
+                  </a:schemeClr>
+                </a:solidFill>
+              </a:rPr>
+              <a:t>Eingeschränkte Sicht auf das Programm</a:t>
+            </a:r>
+          </a:p>
+          <a:p>
+            <a:pPr>
+              <a:lnSpc>
+                <a:spcPct val="150000"/>
+              </a:lnSpc>
+            </a:pPr>
             <a:endParaRPr lang="de-DE" dirty="0">
               <a:solidFill>
                 <a:schemeClr val="tx1">
@@ -5429,7 +6215,7 @@
     </p:spTree>
     <p:extLst>
       <p:ext uri="{BB962C8B-B14F-4D97-AF65-F5344CB8AC3E}">
-        <p14:creationId xmlns:p14="http://schemas.microsoft.com/office/powerpoint/2010/main" val="1510537514"/>
+        <p14:creationId xmlns:p14="http://schemas.microsoft.com/office/powerpoint/2010/main" val="593592788"/>
       </p:ext>
     </p:extLst>
   </p:cSld>
@@ -5480,7 +6266,7 @@
           <a:p>
             <a:r>
               <a:rPr lang="de-DE" dirty="0" smtClean="0"/>
-              <a:t>Vergleich</a:t>
+              <a:t>Textuelle Suche</a:t>
             </a:r>
             <a:endParaRPr lang="de-DE" dirty="0"/>
           </a:p>
@@ -5501,6 +6287,37 @@
           <a:bodyPr/>
           <a:lstStyle/>
           <a:p>
+            <a:pPr>
+              <a:lnSpc>
+                <a:spcPct val="150000"/>
+              </a:lnSpc>
+            </a:pPr>
+            <a:endParaRPr lang="de-DE" dirty="0" smtClean="0">
+              <a:solidFill>
+                <a:schemeClr val="tx1">
+                  <a:lumMod val="75000"/>
+                  <a:lumOff val="25000"/>
+                </a:schemeClr>
+              </a:solidFill>
+            </a:endParaRPr>
+          </a:p>
+          <a:p>
+            <a:pPr>
+              <a:lnSpc>
+                <a:spcPct val="150000"/>
+              </a:lnSpc>
+            </a:pPr>
+            <a:r>
+              <a:rPr lang="de-DE" dirty="0" smtClean="0">
+                <a:solidFill>
+                  <a:schemeClr val="tx1">
+                    <a:lumMod val="75000"/>
+                    <a:lumOff val="25000"/>
+                  </a:schemeClr>
+                </a:solidFill>
+              </a:rPr>
+              <a:t>Ursprünglicher Ansatz</a:t>
+            </a:r>
             <a:endParaRPr lang="de-DE" dirty="0">
               <a:solidFill>
                 <a:schemeClr val="tx1">
@@ -5510,12 +6327,97 @@
               </a:solidFill>
             </a:endParaRPr>
           </a:p>
+          <a:p>
+            <a:pPr>
+              <a:lnSpc>
+                <a:spcPct val="150000"/>
+              </a:lnSpc>
+            </a:pPr>
+            <a:r>
+              <a:rPr lang="de-DE" dirty="0" smtClean="0">
+                <a:solidFill>
+                  <a:schemeClr val="tx1">
+                    <a:lumMod val="75000"/>
+                    <a:lumOff val="25000"/>
+                  </a:schemeClr>
+                </a:solidFill>
+              </a:rPr>
+              <a:t>Suchmuster</a:t>
+            </a:r>
+            <a:endParaRPr lang="de-DE" dirty="0">
+              <a:solidFill>
+                <a:schemeClr val="tx1">
+                  <a:lumMod val="75000"/>
+                  <a:lumOff val="25000"/>
+                </a:schemeClr>
+              </a:solidFill>
+            </a:endParaRPr>
+          </a:p>
+          <a:p>
+            <a:pPr>
+              <a:lnSpc>
+                <a:spcPct val="150000"/>
+              </a:lnSpc>
+            </a:pPr>
+            <a:r>
+              <a:rPr lang="de-DE" dirty="0" smtClean="0">
+                <a:solidFill>
+                  <a:schemeClr val="tx1">
+                    <a:lumMod val="75000"/>
+                    <a:lumOff val="25000"/>
+                  </a:schemeClr>
+                </a:solidFill>
+              </a:rPr>
+              <a:t>Erweiterung durch </a:t>
+            </a:r>
+            <a:r>
+              <a:rPr lang="de-DE" i="1" dirty="0" err="1">
+                <a:solidFill>
+                  <a:schemeClr val="tx1">
+                    <a:lumMod val="75000"/>
+                    <a:lumOff val="25000"/>
+                  </a:schemeClr>
+                </a:solidFill>
+              </a:rPr>
+              <a:t>s</a:t>
+            </a:r>
+            <a:r>
+              <a:rPr lang="de-DE" i="1" dirty="0" err="1" smtClean="0">
+                <a:solidFill>
+                  <a:schemeClr val="tx1">
+                    <a:lumMod val="75000"/>
+                    <a:lumOff val="25000"/>
+                  </a:schemeClr>
+                </a:solidFill>
+              </a:rPr>
+              <a:t>temming</a:t>
+            </a:r>
+            <a:r>
+              <a:rPr lang="de-DE" dirty="0" smtClean="0">
+                <a:solidFill>
+                  <a:schemeClr val="tx1">
+                    <a:lumMod val="75000"/>
+                    <a:lumOff val="25000"/>
+                  </a:schemeClr>
+                </a:solidFill>
+              </a:rPr>
+              <a:t> oder reguläre Ausdrücke</a:t>
+            </a:r>
+            <a:endParaRPr lang="de-DE" dirty="0">
+              <a:solidFill>
+                <a:schemeClr val="tx1">
+                  <a:lumMod val="75000"/>
+                  <a:lumOff val="25000"/>
+                </a:schemeClr>
+              </a:solidFill>
+            </a:endParaRPr>
+          </a:p>
         </p:txBody>
       </p:sp>
     </p:spTree>
     <p:extLst>
       <p:ext uri="{BB962C8B-B14F-4D97-AF65-F5344CB8AC3E}">
-        <p14:creationId xmlns:p14="http://schemas.microsoft.com/office/powerpoint/2010/main" val="1071244325"/>
+        <p14:creationId xmlns:p14="http://schemas.microsoft.com/office/powerpoint/2010/main" val="1510537514"/>
       </p:ext>
     </p:extLst>
   </p:cSld>
